--- a/企画書仕様書/ManipulateMagnetism.pptx
+++ b/企画書仕様書/ManipulateMagnetism.pptx
@@ -265,7 +265,7 @@
           <a:p>
             <a:fld id="{BBA7F1E5-0640-492A-B4BF-FEFFED4D44F0}" type="datetimeFigureOut">
               <a:rPr kumimoji="1" lang="ja-JP" altLang="en-US" smtClean="0"/>
-              <a:t>2024/3/4</a:t>
+              <a:t>2024/3/6</a:t>
             </a:fld>
             <a:endParaRPr kumimoji="1" lang="ja-JP" altLang="en-US"/>
           </a:p>
@@ -495,7 +495,7 @@
           <a:p>
             <a:fld id="{BBA7F1E5-0640-492A-B4BF-FEFFED4D44F0}" type="datetimeFigureOut">
               <a:rPr kumimoji="1" lang="ja-JP" altLang="en-US" smtClean="0"/>
-              <a:t>2024/3/4</a:t>
+              <a:t>2024/3/6</a:t>
             </a:fld>
             <a:endParaRPr kumimoji="1" lang="ja-JP" altLang="en-US"/>
           </a:p>
@@ -735,7 +735,7 @@
           <a:p>
             <a:fld id="{BBA7F1E5-0640-492A-B4BF-FEFFED4D44F0}" type="datetimeFigureOut">
               <a:rPr kumimoji="1" lang="ja-JP" altLang="en-US" smtClean="0"/>
-              <a:t>2024/3/4</a:t>
+              <a:t>2024/3/6</a:t>
             </a:fld>
             <a:endParaRPr kumimoji="1" lang="ja-JP" altLang="en-US"/>
           </a:p>
@@ -965,7 +965,7 @@
           <a:p>
             <a:fld id="{BBA7F1E5-0640-492A-B4BF-FEFFED4D44F0}" type="datetimeFigureOut">
               <a:rPr kumimoji="1" lang="ja-JP" altLang="en-US" smtClean="0"/>
-              <a:t>2024/3/4</a:t>
+              <a:t>2024/3/6</a:t>
             </a:fld>
             <a:endParaRPr kumimoji="1" lang="ja-JP" altLang="en-US"/>
           </a:p>
@@ -1240,7 +1240,7 @@
           <a:p>
             <a:fld id="{BBA7F1E5-0640-492A-B4BF-FEFFED4D44F0}" type="datetimeFigureOut">
               <a:rPr kumimoji="1" lang="ja-JP" altLang="en-US" smtClean="0"/>
-              <a:t>2024/3/4</a:t>
+              <a:t>2024/3/6</a:t>
             </a:fld>
             <a:endParaRPr kumimoji="1" lang="ja-JP" altLang="en-US"/>
           </a:p>
@@ -1569,7 +1569,7 @@
           <a:p>
             <a:fld id="{BBA7F1E5-0640-492A-B4BF-FEFFED4D44F0}" type="datetimeFigureOut">
               <a:rPr kumimoji="1" lang="ja-JP" altLang="en-US" smtClean="0"/>
-              <a:t>2024/3/4</a:t>
+              <a:t>2024/3/6</a:t>
             </a:fld>
             <a:endParaRPr kumimoji="1" lang="ja-JP" altLang="en-US"/>
           </a:p>
@@ -2045,7 +2045,7 @@
           <a:p>
             <a:fld id="{BBA7F1E5-0640-492A-B4BF-FEFFED4D44F0}" type="datetimeFigureOut">
               <a:rPr kumimoji="1" lang="ja-JP" altLang="en-US" smtClean="0"/>
-              <a:t>2024/3/4</a:t>
+              <a:t>2024/3/6</a:t>
             </a:fld>
             <a:endParaRPr kumimoji="1" lang="ja-JP" altLang="en-US"/>
           </a:p>
@@ -2186,7 +2186,7 @@
           <a:p>
             <a:fld id="{BBA7F1E5-0640-492A-B4BF-FEFFED4D44F0}" type="datetimeFigureOut">
               <a:rPr kumimoji="1" lang="ja-JP" altLang="en-US" smtClean="0"/>
-              <a:t>2024/3/4</a:t>
+              <a:t>2024/3/6</a:t>
             </a:fld>
             <a:endParaRPr kumimoji="1" lang="ja-JP" altLang="en-US"/>
           </a:p>
@@ -2299,7 +2299,7 @@
           <a:p>
             <a:fld id="{BBA7F1E5-0640-492A-B4BF-FEFFED4D44F0}" type="datetimeFigureOut">
               <a:rPr kumimoji="1" lang="ja-JP" altLang="en-US" smtClean="0"/>
-              <a:t>2024/3/4</a:t>
+              <a:t>2024/3/6</a:t>
             </a:fld>
             <a:endParaRPr kumimoji="1" lang="ja-JP" altLang="en-US"/>
           </a:p>
@@ -2642,7 +2642,7 @@
           <a:p>
             <a:fld id="{BBA7F1E5-0640-492A-B4BF-FEFFED4D44F0}" type="datetimeFigureOut">
               <a:rPr kumimoji="1" lang="ja-JP" altLang="en-US" smtClean="0"/>
-              <a:t>2024/3/4</a:t>
+              <a:t>2024/3/6</a:t>
             </a:fld>
             <a:endParaRPr kumimoji="1" lang="ja-JP" altLang="en-US"/>
           </a:p>
@@ -2930,7 +2930,7 @@
           <a:p>
             <a:fld id="{BBA7F1E5-0640-492A-B4BF-FEFFED4D44F0}" type="datetimeFigureOut">
               <a:rPr kumimoji="1" lang="ja-JP" altLang="en-US" smtClean="0"/>
-              <a:t>2024/3/4</a:t>
+              <a:t>2024/3/6</a:t>
             </a:fld>
             <a:endParaRPr kumimoji="1" lang="ja-JP" altLang="en-US"/>
           </a:p>
@@ -3203,7 +3203,7 @@
           <a:p>
             <a:fld id="{BBA7F1E5-0640-492A-B4BF-FEFFED4D44F0}" type="datetimeFigureOut">
               <a:rPr kumimoji="1" lang="ja-JP" altLang="en-US" smtClean="0"/>
-              <a:t>2024/3/4</a:t>
+              <a:t>2024/3/6</a:t>
             </a:fld>
             <a:endParaRPr kumimoji="1" lang="ja-JP" altLang="en-US"/>
           </a:p>
@@ -3670,8 +3670,8 @@
         </p:nvSpPr>
         <p:spPr>
           <a:xfrm>
-            <a:off x="3732211" y="4902866"/>
-            <a:ext cx="4727575" cy="830998"/>
+            <a:off x="3043099" y="4902866"/>
+            <a:ext cx="6299684" cy="830998"/>
           </a:xfrm>
           <a:prstGeom prst="snip1Rect">
             <a:avLst/>
@@ -3731,8 +3731,8 @@
         </p:nvSpPr>
         <p:spPr>
           <a:xfrm>
-            <a:off x="3732212" y="4935891"/>
-            <a:ext cx="4727576" cy="830997"/>
+            <a:off x="3043099" y="4918429"/>
+            <a:ext cx="6545382" cy="830997"/>
           </a:xfrm>
           <a:prstGeom prst="rect">
             <a:avLst/>
@@ -3804,31 +3804,7 @@
                   </a:outerShdw>
                 </a:effectLst>
               </a:rPr>
-              <a:t>ターゲット：走り抜ける爽快感を楽しみたい</a:t>
-            </a:r>
-            <a:r>
-              <a:rPr kumimoji="1" lang="en-US" altLang="ja-JP" sz="1600" b="1" dirty="0">
-                <a:effectLst>
-                  <a:outerShdw blurRad="38100" dist="38100" dir="2700000" algn="tl">
-                    <a:srgbClr val="000000">
-                      <a:alpha val="43137"/>
-                    </a:srgbClr>
-                  </a:outerShdw>
-                </a:effectLst>
-              </a:rPr>
-              <a:t>10</a:t>
-            </a:r>
-            <a:r>
-              <a:rPr kumimoji="1" lang="ja-JP" altLang="en-US" sz="1600" b="1" dirty="0">
-                <a:effectLst>
-                  <a:outerShdw blurRad="38100" dist="38100" dir="2700000" algn="tl">
-                    <a:srgbClr val="000000">
-                      <a:alpha val="43137"/>
-                    </a:srgbClr>
-                  </a:outerShdw>
-                </a:effectLst>
-              </a:rPr>
-              <a:t>代</a:t>
+              <a:t>ターゲット：走り抜ける爽快感を楽しみたいアクションの好きな層</a:t>
             </a:r>
           </a:p>
         </p:txBody>
